--- a/images/Academic Journey.pptx
+++ b/images/Academic Journey.pptx
@@ -105,6 +105,11 @@
       </a:defRPr>
     </a:lvl9pPr>
   </p:defaultTextStyle>
+  <p:extLst>
+    <p:ext uri="{EFAFB233-063F-42B5-8137-9DF3F51BA10A}">
+      <p15:sldGuideLst xmlns:p15="http://schemas.microsoft.com/office/powerpoint/2012/main"/>
+    </p:ext>
+  </p:extLst>
 </p:presentation>
 </file>
 
@@ -264,7 +269,7 @@
           <a:p>
             <a:fld id="{02AC24A9-CCB6-4F8D-B8DB-C2F3692CFA5A}" type="datetimeFigureOut">
               <a:rPr lang="en-US" smtClean="0"/>
-              <a:t>4/7/23</a:t>
+              <a:t>4/20/23</a:t>
             </a:fld>
             <a:endParaRPr lang="en-US" dirty="0"/>
           </a:p>
@@ -634,7 +639,7 @@
           <a:p>
             <a:fld id="{02AC24A9-CCB6-4F8D-B8DB-C2F3692CFA5A}" type="datetimeFigureOut">
               <a:rPr lang="en-US" smtClean="0"/>
-              <a:t>4/7/23</a:t>
+              <a:t>4/20/23</a:t>
             </a:fld>
             <a:endParaRPr lang="en-US"/>
           </a:p>
@@ -843,7 +848,7 @@
           <a:p>
             <a:fld id="{02AC24A9-CCB6-4F8D-B8DB-C2F3692CFA5A}" type="datetimeFigureOut">
               <a:rPr lang="en-US" smtClean="0"/>
-              <a:t>4/7/23</a:t>
+              <a:t>4/20/23</a:t>
             </a:fld>
             <a:endParaRPr lang="en-US"/>
           </a:p>
@@ -1313,7 +1318,7 @@
           <a:p>
             <a:fld id="{02AC24A9-CCB6-4F8D-B8DB-C2F3692CFA5A}" type="datetimeFigureOut">
               <a:rPr lang="en-US" smtClean="0"/>
-              <a:t>4/7/23</a:t>
+              <a:t>4/20/23</a:t>
             </a:fld>
             <a:endParaRPr lang="en-US"/>
           </a:p>
@@ -1767,7 +1772,7 @@
           <a:p>
             <a:fld id="{02AC24A9-CCB6-4F8D-B8DB-C2F3692CFA5A}" type="datetimeFigureOut">
               <a:rPr lang="en-US" smtClean="0"/>
-              <a:t>4/7/23</a:t>
+              <a:t>4/20/23</a:t>
             </a:fld>
             <a:endParaRPr lang="en-US"/>
           </a:p>
@@ -2299,7 +2304,7 @@
           <a:p>
             <a:fld id="{02AC24A9-CCB6-4F8D-B8DB-C2F3692CFA5A}" type="datetimeFigureOut">
               <a:rPr lang="en-US" smtClean="0"/>
-              <a:t>4/7/23</a:t>
+              <a:t>4/20/23</a:t>
             </a:fld>
             <a:endParaRPr lang="en-US"/>
           </a:p>
@@ -2998,7 +3003,7 @@
           <a:p>
             <a:fld id="{02AC24A9-CCB6-4F8D-B8DB-C2F3692CFA5A}" type="datetimeFigureOut">
               <a:rPr lang="en-US" smtClean="0"/>
-              <a:t>4/7/23</a:t>
+              <a:t>4/20/23</a:t>
             </a:fld>
             <a:endParaRPr lang="en-US"/>
           </a:p>
@@ -3327,7 +3332,7 @@
           <a:p>
             <a:fld id="{02AC24A9-CCB6-4F8D-B8DB-C2F3692CFA5A}" type="datetimeFigureOut">
               <a:rPr lang="en-US" smtClean="0"/>
-              <a:t>4/7/23</a:t>
+              <a:t>4/20/23</a:t>
             </a:fld>
             <a:endParaRPr lang="en-US"/>
           </a:p>
@@ -3440,7 +3445,7 @@
           <a:p>
             <a:fld id="{02AC24A9-CCB6-4F8D-B8DB-C2F3692CFA5A}" type="datetimeFigureOut">
               <a:rPr lang="en-US" smtClean="0"/>
-              <a:t>4/7/23</a:t>
+              <a:t>4/20/23</a:t>
             </a:fld>
             <a:endParaRPr lang="en-US"/>
           </a:p>
@@ -3935,7 +3940,7 @@
           <a:p>
             <a:fld id="{02AC24A9-CCB6-4F8D-B8DB-C2F3692CFA5A}" type="datetimeFigureOut">
               <a:rPr lang="en-US" smtClean="0"/>
-              <a:t>4/7/23</a:t>
+              <a:t>4/20/23</a:t>
             </a:fld>
             <a:endParaRPr lang="en-US" dirty="0"/>
           </a:p>
@@ -4412,7 +4417,7 @@
           <a:p>
             <a:fld id="{02AC24A9-CCB6-4F8D-B8DB-C2F3692CFA5A}" type="datetimeFigureOut">
               <a:rPr lang="en-US" smtClean="0"/>
-              <a:t>4/7/23</a:t>
+              <a:t>4/20/23</a:t>
             </a:fld>
             <a:endParaRPr lang="en-US"/>
           </a:p>
@@ -4655,7 +4660,7 @@
           <a:p>
             <a:fld id="{02AC24A9-CCB6-4F8D-B8DB-C2F3692CFA5A}" type="datetimeFigureOut">
               <a:rPr lang="en-US" smtClean="0"/>
-              <a:t>4/7/23</a:t>
+              <a:t>4/20/23</a:t>
             </a:fld>
             <a:endParaRPr lang="en-US"/>
           </a:p>
@@ -6183,33 +6188,7 @@
                 <a:latin typeface="Times New Roman" panose="02020603050405020304" pitchFamily="18" charset="0"/>
                 <a:cs typeface="Times New Roman" panose="02020603050405020304" pitchFamily="18" charset="0"/>
               </a:rPr>
-              <a:t>       @ </a:t>
-            </a:r>
-            <a:r>
-              <a:rPr lang="en-US" sz="2400" i="1" dirty="0" err="1">
-                <a:solidFill>
-                  <a:schemeClr val="accent4">
-                    <a:lumMod val="40000"/>
-                    <a:lumOff val="60000"/>
-                  </a:schemeClr>
-                </a:solidFill>
-                <a:latin typeface="Times New Roman" panose="02020603050405020304" pitchFamily="18" charset="0"/>
-                <a:cs typeface="Times New Roman" panose="02020603050405020304" pitchFamily="18" charset="0"/>
-              </a:rPr>
-              <a:t>Volen</a:t>
-            </a:r>
-            <a:r>
-              <a:rPr lang="en-US" sz="2400" i="1" dirty="0">
-                <a:solidFill>
-                  <a:schemeClr val="accent4">
-                    <a:lumMod val="40000"/>
-                    <a:lumOff val="60000"/>
-                  </a:schemeClr>
-                </a:solidFill>
-                <a:latin typeface="Times New Roman" panose="02020603050405020304" pitchFamily="18" charset="0"/>
-                <a:cs typeface="Times New Roman" panose="02020603050405020304" pitchFamily="18" charset="0"/>
-              </a:rPr>
-              <a:t> Center </a:t>
+              <a:t>       @ Volen Center </a:t>
             </a:r>
           </a:p>
         </p:txBody>
